--- a/Курсовая Крегул.pptx
+++ b/Курсовая Крегул.pptx
@@ -5,7 +5,7 @@
     <p:sldMasterId id="2147483648" r:id="rId1"/>
   </p:sldMasterIdLst>
   <p:notesMasterIdLst>
-    <p:notesMasterId r:id="rId12"/>
+    <p:notesMasterId r:id="rId13"/>
   </p:notesMasterIdLst>
   <p:sldIdLst>
     <p:sldId id="256" r:id="rId2"/>
@@ -15,9 +15,10 @@
     <p:sldId id="261" r:id="rId6"/>
     <p:sldId id="262" r:id="rId7"/>
     <p:sldId id="269" r:id="rId8"/>
-    <p:sldId id="273" r:id="rId9"/>
-    <p:sldId id="274" r:id="rId10"/>
-    <p:sldId id="267" r:id="rId11"/>
+    <p:sldId id="275" r:id="rId9"/>
+    <p:sldId id="273" r:id="rId10"/>
+    <p:sldId id="274" r:id="rId11"/>
+    <p:sldId id="267" r:id="rId12"/>
   </p:sldIdLst>
   <p:sldSz cx="12192000" cy="6858000"/>
   <p:notesSz cx="6858000" cy="9144000"/>
@@ -3997,6 +3998,297 @@
             <p:ph type="title"/>
           </p:nvPr>
         </p:nvSpPr>
+        <p:spPr/>
+        <p:txBody>
+          <a:bodyPr/>
+          <a:lstStyle/>
+          <a:p>
+            <a:r>
+              <a:rPr lang="ru-RU" dirty="0"/>
+              <a:t>Описание этапа разработки</a:t>
+            </a:r>
+          </a:p>
+        </p:txBody>
+      </p:sp>
+      <p:sp>
+        <p:nvSpPr>
+          <p:cNvPr id="8" name="TextBox 7">
+            <a:extLst>
+              <a:ext uri="{FF2B5EF4-FFF2-40B4-BE49-F238E27FC236}">
+                <a16:creationId xmlns:a16="http://schemas.microsoft.com/office/drawing/2014/main" id="{A7BF3A41-E405-4A77-93EF-E73DABEFF409}"/>
+              </a:ext>
+            </a:extLst>
+          </p:cNvPr>
+          <p:cNvSpPr txBox="1"/>
+          <p:nvPr/>
+        </p:nvSpPr>
+        <p:spPr>
+          <a:xfrm>
+            <a:off x="112077" y="5287328"/>
+            <a:ext cx="6096000" cy="464871"/>
+          </a:xfrm>
+          <a:prstGeom prst="rect">
+            <a:avLst/>
+          </a:prstGeom>
+          <a:noFill/>
+        </p:spPr>
+        <p:txBody>
+          <a:bodyPr wrap="square">
+            <a:spAutoFit/>
+          </a:bodyPr>
+          <a:lstStyle/>
+          <a:p>
+            <a:pPr marL="457200" algn="ctr">
+              <a:lnSpc>
+                <a:spcPct val="150000"/>
+              </a:lnSpc>
+              <a:spcAft>
+                <a:spcPts val="0"/>
+              </a:spcAft>
+            </a:pPr>
+            <a:r>
+              <a:rPr lang="ru-RU" sz="1800" dirty="0">
+                <a:solidFill>
+                  <a:srgbClr val="000000"/>
+                </a:solidFill>
+                <a:effectLst/>
+                <a:ea typeface="Times New Roman" panose="02020603050405020304" pitchFamily="18" charset="0"/>
+              </a:rPr>
+              <a:t>Рисунок 3 – </a:t>
+            </a:r>
+            <a:r>
+              <a:rPr lang="ru-RU" sz="1800" dirty="0">
+                <a:effectLst/>
+                <a:ea typeface="Times New Roman" panose="02020603050405020304" pitchFamily="18" charset="0"/>
+              </a:rPr>
+              <a:t>Окно клиента.</a:t>
+            </a:r>
+            <a:endParaRPr lang="ru-RU" sz="1600" dirty="0">
+              <a:effectLst/>
+              <a:ea typeface="Times New Roman" panose="02020603050405020304" pitchFamily="18" charset="0"/>
+            </a:endParaRPr>
+          </a:p>
+        </p:txBody>
+      </p:sp>
+      <p:pic>
+        <p:nvPicPr>
+          <p:cNvPr id="9" name="Рисунок 8">
+            <a:extLst>
+              <a:ext uri="{FF2B5EF4-FFF2-40B4-BE49-F238E27FC236}">
+                <a16:creationId xmlns:a16="http://schemas.microsoft.com/office/drawing/2014/main" id="{82E77EBD-0B00-49DB-BE19-580822B79F34}"/>
+              </a:ext>
+            </a:extLst>
+          </p:cNvPr>
+          <p:cNvPicPr>
+            <a:picLocks noChangeAspect="1"/>
+          </p:cNvPicPr>
+          <p:nvPr/>
+        </p:nvPicPr>
+        <p:blipFill>
+          <a:blip r:embed="rId2"/>
+          <a:stretch>
+            <a:fillRect/>
+          </a:stretch>
+        </p:blipFill>
+        <p:spPr>
+          <a:xfrm>
+            <a:off x="0" y="6362700"/>
+            <a:ext cx="12192000" cy="495300"/>
+          </a:xfrm>
+          <a:prstGeom prst="rect">
+            <a:avLst/>
+          </a:prstGeom>
+        </p:spPr>
+      </p:pic>
+      <p:pic>
+        <p:nvPicPr>
+          <p:cNvPr id="13" name="Рисунок 12">
+            <a:extLst>
+              <a:ext uri="{FF2B5EF4-FFF2-40B4-BE49-F238E27FC236}">
+                <a16:creationId xmlns:a16="http://schemas.microsoft.com/office/drawing/2014/main" id="{46A6DF0D-F387-4EE6-A0CE-A92A8F10E7E7}"/>
+              </a:ext>
+            </a:extLst>
+          </p:cNvPr>
+          <p:cNvPicPr>
+            <a:picLocks noChangeAspect="1"/>
+          </p:cNvPicPr>
+          <p:nvPr/>
+        </p:nvPicPr>
+        <p:blipFill>
+          <a:blip r:embed="rId2"/>
+          <a:stretch>
+            <a:fillRect/>
+          </a:stretch>
+        </p:blipFill>
+        <p:spPr>
+          <a:xfrm>
+            <a:off x="0" y="0"/>
+            <a:ext cx="12192000" cy="495300"/>
+          </a:xfrm>
+          <a:prstGeom prst="rect">
+            <a:avLst/>
+          </a:prstGeom>
+        </p:spPr>
+      </p:pic>
+      <p:pic>
+        <p:nvPicPr>
+          <p:cNvPr id="14" name="Рисунок 13">
+            <a:extLst>
+              <a:ext uri="{FF2B5EF4-FFF2-40B4-BE49-F238E27FC236}">
+                <a16:creationId xmlns:a16="http://schemas.microsoft.com/office/drawing/2014/main" id="{85FBA226-202B-4297-A48F-784FBC8F51B2}"/>
+              </a:ext>
+            </a:extLst>
+          </p:cNvPr>
+          <p:cNvPicPr/>
+          <p:nvPr/>
+        </p:nvPicPr>
+        <p:blipFill>
+          <a:blip r:embed="rId3"/>
+          <a:stretch>
+            <a:fillRect/>
+          </a:stretch>
+        </p:blipFill>
+        <p:spPr>
+          <a:xfrm>
+            <a:off x="466725" y="1962785"/>
+            <a:ext cx="5386705" cy="3418205"/>
+          </a:xfrm>
+          <a:prstGeom prst="rect">
+            <a:avLst/>
+          </a:prstGeom>
+        </p:spPr>
+      </p:pic>
+      <p:pic>
+        <p:nvPicPr>
+          <p:cNvPr id="15" name="Рисунок 14">
+            <a:extLst>
+              <a:ext uri="{FF2B5EF4-FFF2-40B4-BE49-F238E27FC236}">
+                <a16:creationId xmlns:a16="http://schemas.microsoft.com/office/drawing/2014/main" id="{82670ECD-3A98-4D93-91AA-4532D7400927}"/>
+              </a:ext>
+            </a:extLst>
+          </p:cNvPr>
+          <p:cNvPicPr/>
+          <p:nvPr/>
+        </p:nvPicPr>
+        <p:blipFill>
+          <a:blip r:embed="rId4"/>
+          <a:stretch>
+            <a:fillRect/>
+          </a:stretch>
+        </p:blipFill>
+        <p:spPr>
+          <a:xfrm>
+            <a:off x="6667500" y="2267902"/>
+            <a:ext cx="4686300" cy="2807970"/>
+          </a:xfrm>
+          <a:prstGeom prst="rect">
+            <a:avLst/>
+          </a:prstGeom>
+        </p:spPr>
+      </p:pic>
+      <p:sp>
+        <p:nvSpPr>
+          <p:cNvPr id="17" name="TextBox 16">
+            <a:extLst>
+              <a:ext uri="{FF2B5EF4-FFF2-40B4-BE49-F238E27FC236}">
+                <a16:creationId xmlns:a16="http://schemas.microsoft.com/office/drawing/2014/main" id="{6F72E046-3265-4965-A4E8-131713034BA7}"/>
+              </a:ext>
+            </a:extLst>
+          </p:cNvPr>
+          <p:cNvSpPr txBox="1"/>
+          <p:nvPr/>
+        </p:nvSpPr>
+        <p:spPr>
+          <a:xfrm>
+            <a:off x="5853430" y="4970611"/>
+            <a:ext cx="6096000" cy="464871"/>
+          </a:xfrm>
+          <a:prstGeom prst="rect">
+            <a:avLst/>
+          </a:prstGeom>
+          <a:noFill/>
+        </p:spPr>
+        <p:txBody>
+          <a:bodyPr wrap="square">
+            <a:spAutoFit/>
+          </a:bodyPr>
+          <a:lstStyle/>
+          <a:p>
+            <a:pPr marL="457200" algn="ctr">
+              <a:lnSpc>
+                <a:spcPct val="150000"/>
+              </a:lnSpc>
+              <a:spcAft>
+                <a:spcPts val="0"/>
+              </a:spcAft>
+            </a:pPr>
+            <a:r>
+              <a:rPr lang="ru-RU" sz="1800" dirty="0">
+                <a:solidFill>
+                  <a:srgbClr val="000000"/>
+                </a:solidFill>
+                <a:effectLst/>
+                <a:ea typeface="Times New Roman" panose="02020603050405020304" pitchFamily="18" charset="0"/>
+              </a:rPr>
+              <a:t>Рисунок 3 – </a:t>
+            </a:r>
+            <a:r>
+              <a:rPr lang="ru-RU" sz="1800" dirty="0">
+                <a:effectLst/>
+                <a:ea typeface="Times New Roman" panose="02020603050405020304" pitchFamily="18" charset="0"/>
+              </a:rPr>
+              <a:t>Окно панели администратора.</a:t>
+            </a:r>
+            <a:endParaRPr lang="ru-RU" sz="1600" dirty="0">
+              <a:effectLst/>
+              <a:ea typeface="Times New Roman" panose="02020603050405020304" pitchFamily="18" charset="0"/>
+            </a:endParaRPr>
+          </a:p>
+        </p:txBody>
+      </p:sp>
+    </p:spTree>
+    <p:extLst>
+      <p:ext uri="{BB962C8B-B14F-4D97-AF65-F5344CB8AC3E}">
+        <p14:creationId xmlns:p14="http://schemas.microsoft.com/office/powerpoint/2010/main" val="2274578909"/>
+      </p:ext>
+    </p:extLst>
+  </p:cSld>
+  <p:clrMapOvr>
+    <a:masterClrMapping/>
+  </p:clrMapOvr>
+  <p:transition spd="slow">
+    <p:push dir="u"/>
+  </p:transition>
+</p:sld>
+</file>
+
+<file path=ppt/slides/slide11.xml><?xml version="1.0" encoding="utf-8"?>
+<p:sld xmlns:a="http://schemas.openxmlformats.org/drawingml/2006/main" xmlns:r="http://schemas.openxmlformats.org/officeDocument/2006/relationships" xmlns:p="http://schemas.openxmlformats.org/presentationml/2006/main">
+  <p:cSld>
+    <p:spTree>
+      <p:nvGrpSpPr>
+        <p:cNvPr id="1" name=""/>
+        <p:cNvGrpSpPr/>
+        <p:nvPr/>
+      </p:nvGrpSpPr>
+      <p:grpSpPr>
+        <a:xfrm>
+          <a:off x="0" y="0"/>
+          <a:ext cx="0" cy="0"/>
+          <a:chOff x="0" y="0"/>
+          <a:chExt cx="0" cy="0"/>
+        </a:xfrm>
+      </p:grpSpPr>
+      <p:sp>
+        <p:nvSpPr>
+          <p:cNvPr id="2" name="Заголовок 1"/>
+          <p:cNvSpPr>
+            <a:spLocks noGrp="1"/>
+          </p:cNvSpPr>
+          <p:nvPr>
+            <p:ph type="title"/>
+          </p:nvPr>
+        </p:nvSpPr>
         <p:spPr>
           <a:xfrm>
             <a:off x="838199" y="444041"/>
@@ -5570,6 +5862,346 @@
       </p:grpSpPr>
       <p:sp>
         <p:nvSpPr>
+          <p:cNvPr id="2" name="Заголовок 1">
+            <a:extLst>
+              <a:ext uri="{FF2B5EF4-FFF2-40B4-BE49-F238E27FC236}">
+                <a16:creationId xmlns:a16="http://schemas.microsoft.com/office/drawing/2014/main" id="{2BEE26CB-BB14-4BBB-BDCC-A0944C873CAE}"/>
+              </a:ext>
+            </a:extLst>
+          </p:cNvPr>
+          <p:cNvSpPr>
+            <a:spLocks noGrp="1"/>
+          </p:cNvSpPr>
+          <p:nvPr>
+            <p:ph type="title"/>
+          </p:nvPr>
+        </p:nvSpPr>
+        <p:spPr/>
+        <p:txBody>
+          <a:bodyPr/>
+          <a:lstStyle/>
+          <a:p>
+            <a:r>
+              <a:rPr lang="ru-RU" dirty="0"/>
+              <a:t>Таблицы базы данных</a:t>
+            </a:r>
+          </a:p>
+        </p:txBody>
+      </p:sp>
+      <p:pic>
+        <p:nvPicPr>
+          <p:cNvPr id="3" name="Рисунок 2">
+            <a:extLst>
+              <a:ext uri="{FF2B5EF4-FFF2-40B4-BE49-F238E27FC236}">
+                <a16:creationId xmlns:a16="http://schemas.microsoft.com/office/drawing/2014/main" id="{82512EBB-BADA-497C-953E-E6753CA9E9E2}"/>
+              </a:ext>
+            </a:extLst>
+          </p:cNvPr>
+          <p:cNvPicPr>
+            <a:picLocks noChangeAspect="1"/>
+          </p:cNvPicPr>
+          <p:nvPr/>
+        </p:nvPicPr>
+        <p:blipFill>
+          <a:blip r:embed="rId2"/>
+          <a:stretch>
+            <a:fillRect/>
+          </a:stretch>
+        </p:blipFill>
+        <p:spPr>
+          <a:xfrm>
+            <a:off x="0" y="6378344"/>
+            <a:ext cx="12192000" cy="495300"/>
+          </a:xfrm>
+          <a:prstGeom prst="rect">
+            <a:avLst/>
+          </a:prstGeom>
+        </p:spPr>
+      </p:pic>
+      <p:pic>
+        <p:nvPicPr>
+          <p:cNvPr id="4" name="Рисунок 3">
+            <a:extLst>
+              <a:ext uri="{FF2B5EF4-FFF2-40B4-BE49-F238E27FC236}">
+                <a16:creationId xmlns:a16="http://schemas.microsoft.com/office/drawing/2014/main" id="{2CAFDF68-CA44-4071-941A-71B78026F760}"/>
+              </a:ext>
+            </a:extLst>
+          </p:cNvPr>
+          <p:cNvPicPr>
+            <a:picLocks noChangeAspect="1"/>
+          </p:cNvPicPr>
+          <p:nvPr/>
+        </p:nvPicPr>
+        <p:blipFill>
+          <a:blip r:embed="rId2"/>
+          <a:stretch>
+            <a:fillRect/>
+          </a:stretch>
+        </p:blipFill>
+        <p:spPr>
+          <a:xfrm>
+            <a:off x="0" y="0"/>
+            <a:ext cx="12192000" cy="495300"/>
+          </a:xfrm>
+          <a:prstGeom prst="rect">
+            <a:avLst/>
+          </a:prstGeom>
+        </p:spPr>
+      </p:pic>
+      <p:pic>
+        <p:nvPicPr>
+          <p:cNvPr id="5" name="Рисунок 4">
+            <a:extLst>
+              <a:ext uri="{FF2B5EF4-FFF2-40B4-BE49-F238E27FC236}">
+                <a16:creationId xmlns:a16="http://schemas.microsoft.com/office/drawing/2014/main" id="{79AB602E-1A8E-45B2-A7F0-2006F9668ED7}"/>
+              </a:ext>
+            </a:extLst>
+          </p:cNvPr>
+          <p:cNvPicPr/>
+          <p:nvPr/>
+        </p:nvPicPr>
+        <p:blipFill>
+          <a:blip r:embed="rId3"/>
+          <a:stretch>
+            <a:fillRect/>
+          </a:stretch>
+        </p:blipFill>
+        <p:spPr>
+          <a:xfrm>
+            <a:off x="838200" y="2643696"/>
+            <a:ext cx="2210539" cy="1598828"/>
+          </a:xfrm>
+          <a:prstGeom prst="rect">
+            <a:avLst/>
+          </a:prstGeom>
+        </p:spPr>
+      </p:pic>
+      <p:pic>
+        <p:nvPicPr>
+          <p:cNvPr id="6" name="Рисунок 5">
+            <a:extLst>
+              <a:ext uri="{FF2B5EF4-FFF2-40B4-BE49-F238E27FC236}">
+                <a16:creationId xmlns:a16="http://schemas.microsoft.com/office/drawing/2014/main" id="{350F2501-84DD-4B54-AA25-9972AFDAED48}"/>
+              </a:ext>
+            </a:extLst>
+          </p:cNvPr>
+          <p:cNvPicPr/>
+          <p:nvPr/>
+        </p:nvPicPr>
+        <p:blipFill>
+          <a:blip r:embed="rId4"/>
+          <a:stretch>
+            <a:fillRect/>
+          </a:stretch>
+        </p:blipFill>
+        <p:spPr>
+          <a:xfrm>
+            <a:off x="4640570" y="2645230"/>
+            <a:ext cx="2210540" cy="1598828"/>
+          </a:xfrm>
+          <a:prstGeom prst="rect">
+            <a:avLst/>
+          </a:prstGeom>
+        </p:spPr>
+      </p:pic>
+      <p:pic>
+        <p:nvPicPr>
+          <p:cNvPr id="7" name="Рисунок 6">
+            <a:extLst>
+              <a:ext uri="{FF2B5EF4-FFF2-40B4-BE49-F238E27FC236}">
+                <a16:creationId xmlns:a16="http://schemas.microsoft.com/office/drawing/2014/main" id="{F57BE3DE-10C1-460B-A412-77F7ED3EE23E}"/>
+              </a:ext>
+            </a:extLst>
+          </p:cNvPr>
+          <p:cNvPicPr/>
+          <p:nvPr/>
+        </p:nvPicPr>
+        <p:blipFill>
+          <a:blip r:embed="rId5"/>
+          <a:stretch>
+            <a:fillRect/>
+          </a:stretch>
+        </p:blipFill>
+        <p:spPr>
+          <a:xfrm>
+            <a:off x="8442941" y="2629586"/>
+            <a:ext cx="2210540" cy="1598828"/>
+          </a:xfrm>
+          <a:prstGeom prst="rect">
+            <a:avLst/>
+          </a:prstGeom>
+        </p:spPr>
+      </p:pic>
+      <p:sp>
+        <p:nvSpPr>
+          <p:cNvPr id="8" name="Прямоугольник 7">
+            <a:extLst>
+              <a:ext uri="{FF2B5EF4-FFF2-40B4-BE49-F238E27FC236}">
+                <a16:creationId xmlns:a16="http://schemas.microsoft.com/office/drawing/2014/main" id="{8749EB27-8BED-4D74-8085-0053785D58D3}"/>
+              </a:ext>
+            </a:extLst>
+          </p:cNvPr>
+          <p:cNvSpPr/>
+          <p:nvPr/>
+        </p:nvSpPr>
+        <p:spPr>
+          <a:xfrm>
+            <a:off x="724192" y="4280963"/>
+            <a:ext cx="2438553" cy="323165"/>
+          </a:xfrm>
+          <a:prstGeom prst="rect">
+            <a:avLst/>
+          </a:prstGeom>
+        </p:spPr>
+        <p:txBody>
+          <a:bodyPr wrap="none">
+            <a:spAutoFit/>
+          </a:bodyPr>
+          <a:lstStyle/>
+          <a:p>
+            <a:pPr algn="ctr"/>
+            <a:r>
+              <a:rPr lang="ru-RU" sz="1500" dirty="0"/>
+              <a:t>Рисунок 2 – Таблица </a:t>
+            </a:r>
+            <a:r>
+              <a:rPr lang="en-US" sz="1500" dirty="0"/>
+              <a:t>clients</a:t>
+            </a:r>
+            <a:r>
+              <a:rPr lang="ru-RU" sz="1500" dirty="0"/>
+              <a:t>.</a:t>
+            </a:r>
+            <a:endParaRPr lang="ru-RU" sz="1500" dirty="0">
+              <a:effectLst/>
+            </a:endParaRPr>
+          </a:p>
+        </p:txBody>
+      </p:sp>
+      <p:sp>
+        <p:nvSpPr>
+          <p:cNvPr id="9" name="Прямоугольник 8">
+            <a:extLst>
+              <a:ext uri="{FF2B5EF4-FFF2-40B4-BE49-F238E27FC236}">
+                <a16:creationId xmlns:a16="http://schemas.microsoft.com/office/drawing/2014/main" id="{6BEFF5AC-99B7-48C1-821F-9C46DB772C4D}"/>
+              </a:ext>
+            </a:extLst>
+          </p:cNvPr>
+          <p:cNvSpPr/>
+          <p:nvPr/>
+        </p:nvSpPr>
+        <p:spPr>
+          <a:xfrm>
+            <a:off x="4573788" y="4275731"/>
+            <a:ext cx="2344103" cy="323165"/>
+          </a:xfrm>
+          <a:prstGeom prst="rect">
+            <a:avLst/>
+          </a:prstGeom>
+        </p:spPr>
+        <p:txBody>
+          <a:bodyPr wrap="none">
+            <a:spAutoFit/>
+          </a:bodyPr>
+          <a:lstStyle/>
+          <a:p>
+            <a:pPr algn="ctr"/>
+            <a:r>
+              <a:rPr lang="ru-RU" sz="1500" dirty="0"/>
+              <a:t>Рисунок 3 – Таблица </a:t>
+            </a:r>
+            <a:r>
+              <a:rPr lang="en-US" sz="1500" dirty="0"/>
+              <a:t>users</a:t>
+            </a:r>
+            <a:r>
+              <a:rPr lang="ru-RU" sz="1500" dirty="0"/>
+              <a:t>.</a:t>
+            </a:r>
+            <a:endParaRPr lang="ru-RU" sz="1500" dirty="0">
+              <a:effectLst/>
+            </a:endParaRPr>
+          </a:p>
+        </p:txBody>
+      </p:sp>
+      <p:sp>
+        <p:nvSpPr>
+          <p:cNvPr id="10" name="Прямоугольник 9">
+            <a:extLst>
+              <a:ext uri="{FF2B5EF4-FFF2-40B4-BE49-F238E27FC236}">
+                <a16:creationId xmlns:a16="http://schemas.microsoft.com/office/drawing/2014/main" id="{573EB89A-D99F-4EFE-B8E4-8AE72DFC21A8}"/>
+              </a:ext>
+            </a:extLst>
+          </p:cNvPr>
+          <p:cNvSpPr/>
+          <p:nvPr/>
+        </p:nvSpPr>
+        <p:spPr>
+          <a:xfrm>
+            <a:off x="8112529" y="4275731"/>
+            <a:ext cx="2871362" cy="323165"/>
+          </a:xfrm>
+          <a:prstGeom prst="rect">
+            <a:avLst/>
+          </a:prstGeom>
+        </p:spPr>
+        <p:txBody>
+          <a:bodyPr wrap="none">
+            <a:spAutoFit/>
+          </a:bodyPr>
+          <a:lstStyle/>
+          <a:p>
+            <a:pPr algn="ctr"/>
+            <a:r>
+              <a:rPr lang="ru-RU" sz="1500" dirty="0"/>
+              <a:t>Рисунок 4 – Таблица </a:t>
+            </a:r>
+            <a:r>
+              <a:rPr lang="en-US" sz="1500" dirty="0"/>
+              <a:t>applications</a:t>
+            </a:r>
+            <a:r>
+              <a:rPr lang="ru-RU" sz="1500" dirty="0"/>
+              <a:t>.</a:t>
+            </a:r>
+            <a:endParaRPr lang="ru-RU" sz="1500" dirty="0">
+              <a:effectLst/>
+            </a:endParaRPr>
+          </a:p>
+        </p:txBody>
+      </p:sp>
+    </p:spTree>
+    <p:extLst>
+      <p:ext uri="{BB962C8B-B14F-4D97-AF65-F5344CB8AC3E}">
+        <p14:creationId xmlns:p14="http://schemas.microsoft.com/office/powerpoint/2010/main" val="372538981"/>
+      </p:ext>
+    </p:extLst>
+  </p:cSld>
+  <p:clrMapOvr>
+    <a:masterClrMapping/>
+  </p:clrMapOvr>
+</p:sld>
+</file>
+
+<file path=ppt/slides/slide9.xml><?xml version="1.0" encoding="utf-8"?>
+<p:sld xmlns:a="http://schemas.openxmlformats.org/drawingml/2006/main" xmlns:r="http://schemas.openxmlformats.org/officeDocument/2006/relationships" xmlns:p="http://schemas.openxmlformats.org/presentationml/2006/main">
+  <p:cSld>
+    <p:spTree>
+      <p:nvGrpSpPr>
+        <p:cNvPr id="1" name=""/>
+        <p:cNvGrpSpPr/>
+        <p:nvPr/>
+      </p:nvGrpSpPr>
+      <p:grpSpPr>
+        <a:xfrm>
+          <a:off x="0" y="0"/>
+          <a:ext cx="0" cy="0"/>
+          <a:chOff x="0" y="0"/>
+          <a:chExt cx="0" cy="0"/>
+        </a:xfrm>
+      </p:grpSpPr>
+      <p:sp>
+        <p:nvSpPr>
           <p:cNvPr id="2" name="Заголовок 1"/>
           <p:cNvSpPr>
             <a:spLocks noGrp="1"/>
@@ -5833,297 +6465,6 @@
     <p:extLst>
       <p:ext uri="{BB962C8B-B14F-4D97-AF65-F5344CB8AC3E}">
         <p14:creationId xmlns:p14="http://schemas.microsoft.com/office/powerpoint/2010/main" val="919592861"/>
-      </p:ext>
-    </p:extLst>
-  </p:cSld>
-  <p:clrMapOvr>
-    <a:masterClrMapping/>
-  </p:clrMapOvr>
-  <p:transition spd="slow">
-    <p:push dir="u"/>
-  </p:transition>
-</p:sld>
-</file>
-
-<file path=ppt/slides/slide9.xml><?xml version="1.0" encoding="utf-8"?>
-<p:sld xmlns:a="http://schemas.openxmlformats.org/drawingml/2006/main" xmlns:r="http://schemas.openxmlformats.org/officeDocument/2006/relationships" xmlns:p="http://schemas.openxmlformats.org/presentationml/2006/main">
-  <p:cSld>
-    <p:spTree>
-      <p:nvGrpSpPr>
-        <p:cNvPr id="1" name=""/>
-        <p:cNvGrpSpPr/>
-        <p:nvPr/>
-      </p:nvGrpSpPr>
-      <p:grpSpPr>
-        <a:xfrm>
-          <a:off x="0" y="0"/>
-          <a:ext cx="0" cy="0"/>
-          <a:chOff x="0" y="0"/>
-          <a:chExt cx="0" cy="0"/>
-        </a:xfrm>
-      </p:grpSpPr>
-      <p:sp>
-        <p:nvSpPr>
-          <p:cNvPr id="2" name="Заголовок 1"/>
-          <p:cNvSpPr>
-            <a:spLocks noGrp="1"/>
-          </p:cNvSpPr>
-          <p:nvPr>
-            <p:ph type="title"/>
-          </p:nvPr>
-        </p:nvSpPr>
-        <p:spPr/>
-        <p:txBody>
-          <a:bodyPr/>
-          <a:lstStyle/>
-          <a:p>
-            <a:r>
-              <a:rPr lang="ru-RU" dirty="0"/>
-              <a:t>Описание этапа разработки</a:t>
-            </a:r>
-          </a:p>
-        </p:txBody>
-      </p:sp>
-      <p:sp>
-        <p:nvSpPr>
-          <p:cNvPr id="8" name="TextBox 7">
-            <a:extLst>
-              <a:ext uri="{FF2B5EF4-FFF2-40B4-BE49-F238E27FC236}">
-                <a16:creationId xmlns:a16="http://schemas.microsoft.com/office/drawing/2014/main" id="{A7BF3A41-E405-4A77-93EF-E73DABEFF409}"/>
-              </a:ext>
-            </a:extLst>
-          </p:cNvPr>
-          <p:cNvSpPr txBox="1"/>
-          <p:nvPr/>
-        </p:nvSpPr>
-        <p:spPr>
-          <a:xfrm>
-            <a:off x="112077" y="5287328"/>
-            <a:ext cx="6096000" cy="464871"/>
-          </a:xfrm>
-          <a:prstGeom prst="rect">
-            <a:avLst/>
-          </a:prstGeom>
-          <a:noFill/>
-        </p:spPr>
-        <p:txBody>
-          <a:bodyPr wrap="square">
-            <a:spAutoFit/>
-          </a:bodyPr>
-          <a:lstStyle/>
-          <a:p>
-            <a:pPr marL="457200" algn="ctr">
-              <a:lnSpc>
-                <a:spcPct val="150000"/>
-              </a:lnSpc>
-              <a:spcAft>
-                <a:spcPts val="0"/>
-              </a:spcAft>
-            </a:pPr>
-            <a:r>
-              <a:rPr lang="ru-RU" sz="1800" dirty="0">
-                <a:solidFill>
-                  <a:srgbClr val="000000"/>
-                </a:solidFill>
-                <a:effectLst/>
-                <a:ea typeface="Times New Roman" panose="02020603050405020304" pitchFamily="18" charset="0"/>
-              </a:rPr>
-              <a:t>Рисунок 3 – </a:t>
-            </a:r>
-            <a:r>
-              <a:rPr lang="ru-RU" sz="1800" dirty="0">
-                <a:effectLst/>
-                <a:ea typeface="Times New Roman" panose="02020603050405020304" pitchFamily="18" charset="0"/>
-              </a:rPr>
-              <a:t>Окно клиента.</a:t>
-            </a:r>
-            <a:endParaRPr lang="ru-RU" sz="1600" dirty="0">
-              <a:effectLst/>
-              <a:ea typeface="Times New Roman" panose="02020603050405020304" pitchFamily="18" charset="0"/>
-            </a:endParaRPr>
-          </a:p>
-        </p:txBody>
-      </p:sp>
-      <p:pic>
-        <p:nvPicPr>
-          <p:cNvPr id="9" name="Рисунок 8">
-            <a:extLst>
-              <a:ext uri="{FF2B5EF4-FFF2-40B4-BE49-F238E27FC236}">
-                <a16:creationId xmlns:a16="http://schemas.microsoft.com/office/drawing/2014/main" id="{82E77EBD-0B00-49DB-BE19-580822B79F34}"/>
-              </a:ext>
-            </a:extLst>
-          </p:cNvPr>
-          <p:cNvPicPr>
-            <a:picLocks noChangeAspect="1"/>
-          </p:cNvPicPr>
-          <p:nvPr/>
-        </p:nvPicPr>
-        <p:blipFill>
-          <a:blip r:embed="rId2"/>
-          <a:stretch>
-            <a:fillRect/>
-          </a:stretch>
-        </p:blipFill>
-        <p:spPr>
-          <a:xfrm>
-            <a:off x="0" y="6362700"/>
-            <a:ext cx="12192000" cy="495300"/>
-          </a:xfrm>
-          <a:prstGeom prst="rect">
-            <a:avLst/>
-          </a:prstGeom>
-        </p:spPr>
-      </p:pic>
-      <p:pic>
-        <p:nvPicPr>
-          <p:cNvPr id="13" name="Рисунок 12">
-            <a:extLst>
-              <a:ext uri="{FF2B5EF4-FFF2-40B4-BE49-F238E27FC236}">
-                <a16:creationId xmlns:a16="http://schemas.microsoft.com/office/drawing/2014/main" id="{46A6DF0D-F387-4EE6-A0CE-A92A8F10E7E7}"/>
-              </a:ext>
-            </a:extLst>
-          </p:cNvPr>
-          <p:cNvPicPr>
-            <a:picLocks noChangeAspect="1"/>
-          </p:cNvPicPr>
-          <p:nvPr/>
-        </p:nvPicPr>
-        <p:blipFill>
-          <a:blip r:embed="rId2"/>
-          <a:stretch>
-            <a:fillRect/>
-          </a:stretch>
-        </p:blipFill>
-        <p:spPr>
-          <a:xfrm>
-            <a:off x="0" y="0"/>
-            <a:ext cx="12192000" cy="495300"/>
-          </a:xfrm>
-          <a:prstGeom prst="rect">
-            <a:avLst/>
-          </a:prstGeom>
-        </p:spPr>
-      </p:pic>
-      <p:pic>
-        <p:nvPicPr>
-          <p:cNvPr id="14" name="Рисунок 13">
-            <a:extLst>
-              <a:ext uri="{FF2B5EF4-FFF2-40B4-BE49-F238E27FC236}">
-                <a16:creationId xmlns:a16="http://schemas.microsoft.com/office/drawing/2014/main" id="{85FBA226-202B-4297-A48F-784FBC8F51B2}"/>
-              </a:ext>
-            </a:extLst>
-          </p:cNvPr>
-          <p:cNvPicPr/>
-          <p:nvPr/>
-        </p:nvPicPr>
-        <p:blipFill>
-          <a:blip r:embed="rId3"/>
-          <a:stretch>
-            <a:fillRect/>
-          </a:stretch>
-        </p:blipFill>
-        <p:spPr>
-          <a:xfrm>
-            <a:off x="466725" y="1962785"/>
-            <a:ext cx="5386705" cy="3418205"/>
-          </a:xfrm>
-          <a:prstGeom prst="rect">
-            <a:avLst/>
-          </a:prstGeom>
-        </p:spPr>
-      </p:pic>
-      <p:pic>
-        <p:nvPicPr>
-          <p:cNvPr id="15" name="Рисунок 14">
-            <a:extLst>
-              <a:ext uri="{FF2B5EF4-FFF2-40B4-BE49-F238E27FC236}">
-                <a16:creationId xmlns:a16="http://schemas.microsoft.com/office/drawing/2014/main" id="{82670ECD-3A98-4D93-91AA-4532D7400927}"/>
-              </a:ext>
-            </a:extLst>
-          </p:cNvPr>
-          <p:cNvPicPr/>
-          <p:nvPr/>
-        </p:nvPicPr>
-        <p:blipFill>
-          <a:blip r:embed="rId4"/>
-          <a:stretch>
-            <a:fillRect/>
-          </a:stretch>
-        </p:blipFill>
-        <p:spPr>
-          <a:xfrm>
-            <a:off x="6667500" y="2267902"/>
-            <a:ext cx="4686300" cy="2807970"/>
-          </a:xfrm>
-          <a:prstGeom prst="rect">
-            <a:avLst/>
-          </a:prstGeom>
-        </p:spPr>
-      </p:pic>
-      <p:sp>
-        <p:nvSpPr>
-          <p:cNvPr id="17" name="TextBox 16">
-            <a:extLst>
-              <a:ext uri="{FF2B5EF4-FFF2-40B4-BE49-F238E27FC236}">
-                <a16:creationId xmlns:a16="http://schemas.microsoft.com/office/drawing/2014/main" id="{6F72E046-3265-4965-A4E8-131713034BA7}"/>
-              </a:ext>
-            </a:extLst>
-          </p:cNvPr>
-          <p:cNvSpPr txBox="1"/>
-          <p:nvPr/>
-        </p:nvSpPr>
-        <p:spPr>
-          <a:xfrm>
-            <a:off x="5853430" y="4970611"/>
-            <a:ext cx="6096000" cy="464871"/>
-          </a:xfrm>
-          <a:prstGeom prst="rect">
-            <a:avLst/>
-          </a:prstGeom>
-          <a:noFill/>
-        </p:spPr>
-        <p:txBody>
-          <a:bodyPr wrap="square">
-            <a:spAutoFit/>
-          </a:bodyPr>
-          <a:lstStyle/>
-          <a:p>
-            <a:pPr marL="457200" algn="ctr">
-              <a:lnSpc>
-                <a:spcPct val="150000"/>
-              </a:lnSpc>
-              <a:spcAft>
-                <a:spcPts val="0"/>
-              </a:spcAft>
-            </a:pPr>
-            <a:r>
-              <a:rPr lang="ru-RU" sz="1800" dirty="0">
-                <a:solidFill>
-                  <a:srgbClr val="000000"/>
-                </a:solidFill>
-                <a:effectLst/>
-                <a:ea typeface="Times New Roman" panose="02020603050405020304" pitchFamily="18" charset="0"/>
-              </a:rPr>
-              <a:t>Рисунок 3 – </a:t>
-            </a:r>
-            <a:r>
-              <a:rPr lang="ru-RU" sz="1800" dirty="0">
-                <a:effectLst/>
-                <a:ea typeface="Times New Roman" panose="02020603050405020304" pitchFamily="18" charset="0"/>
-              </a:rPr>
-              <a:t>Окно панели администратора.</a:t>
-            </a:r>
-            <a:endParaRPr lang="ru-RU" sz="1600" dirty="0">
-              <a:effectLst/>
-              <a:ea typeface="Times New Roman" panose="02020603050405020304" pitchFamily="18" charset="0"/>
-            </a:endParaRPr>
-          </a:p>
-        </p:txBody>
-      </p:sp>
-    </p:spTree>
-    <p:extLst>
-      <p:ext uri="{BB962C8B-B14F-4D97-AF65-F5344CB8AC3E}">
-        <p14:creationId xmlns:p14="http://schemas.microsoft.com/office/powerpoint/2010/main" val="2274578909"/>
       </p:ext>
     </p:extLst>
   </p:cSld>
